--- a/Project2_Team3-Intro.pptx
+++ b/Project2_Team3-Intro.pptx
@@ -4,13 +4,17 @@
   <p:sldMasterIdLst>
     <p:sldMasterId id="2147483704" r:id="rId1"/>
   </p:sldMasterIdLst>
+  <p:notesMasterIdLst>
+    <p:notesMasterId r:id="rId9"/>
+  </p:notesMasterIdLst>
   <p:sldIdLst>
     <p:sldId id="256" r:id="rId2"/>
     <p:sldId id="257" r:id="rId3"/>
     <p:sldId id="258" r:id="rId4"/>
     <p:sldId id="259" r:id="rId5"/>
-    <p:sldId id="260" r:id="rId6"/>
-    <p:sldId id="261" r:id="rId7"/>
+    <p:sldId id="262" r:id="rId6"/>
+    <p:sldId id="260" r:id="rId7"/>
+    <p:sldId id="261" r:id="rId8"/>
   </p:sldIdLst>
   <p:sldSz cx="12192000" cy="6858000"/>
   <p:notesSz cx="6858000" cy="9144000"/>
@@ -2848,28 +2852,16 @@
             <a:defRPr b="1"/>
           </a:pPr>
           <a:r>
-            <a:rPr lang="en-US" sz="1400" dirty="0"/>
+            <a:rPr lang="en-US" sz="1800" dirty="0"/>
             <a:t>Data Source: </a:t>
           </a:r>
           <a:r>
-            <a:rPr lang="en-US" sz="1400" u="sng" dirty="0">
+            <a:rPr lang="en-US" sz="1800" u="sng" dirty="0">
               <a:hlinkClick xmlns:r="http://schemas.openxmlformats.org/officeDocument/2006/relationships" r:id="rId1"/>
             </a:rPr>
-            <a:t>https://www.kaggle.com/</a:t>
+            <a:t>https://www.kaggle.com/sudalairajkumar/daily-temperature-of-major-cities</a:t>
           </a:r>
-          <a:r>
-            <a:rPr lang="en-US" sz="2000" u="sng" dirty="0">
-              <a:hlinkClick xmlns:r="http://schemas.openxmlformats.org/officeDocument/2006/relationships" r:id="rId1"/>
-            </a:rPr>
-            <a:t>sudalairajkumar</a:t>
-          </a:r>
-          <a:r>
-            <a:rPr lang="en-US" sz="1400" u="sng" dirty="0">
-              <a:hlinkClick xmlns:r="http://schemas.openxmlformats.org/officeDocument/2006/relationships" r:id="rId1"/>
-            </a:rPr>
-            <a:t>/daily-temperature-of-major-cities</a:t>
-          </a:r>
-          <a:endParaRPr lang="en-US" sz="1400" dirty="0"/>
+          <a:endParaRPr lang="en-US" sz="1800" dirty="0"/>
         </a:p>
       </dgm:t>
     </dgm:pt>
@@ -3015,9 +3007,22 @@
         <a:lstStyle/>
         <a:p>
           <a:r>
-            <a:rPr lang="en-US"/>
-            <a:t>Creating db in posgrel pgAdmin</a:t>
+            <a:rPr lang="en-US" dirty="0"/>
+            <a:t>Creating dB in </a:t>
           </a:r>
+          <a:r>
+            <a:rPr lang="en-US" dirty="0" err="1"/>
+            <a:t>postgrel</a:t>
+          </a:r>
+          <a:r>
+            <a:rPr lang="en-US" dirty="0"/>
+            <a:t> </a:t>
+          </a:r>
+          <a:r>
+            <a:rPr lang="en-US" dirty="0" err="1"/>
+            <a:t>pgAdmin</a:t>
+          </a:r>
+          <a:endParaRPr lang="en-US" dirty="0"/>
         </a:p>
       </dgm:t>
     </dgm:pt>
@@ -3051,8 +3056,16 @@
         <a:lstStyle/>
         <a:p>
           <a:r>
-            <a:rPr lang="en-US"/>
-            <a:t>Using Flaskapp to load data for visualization</a:t>
+            <a:rPr lang="en-US" dirty="0"/>
+            <a:t>Using </a:t>
+          </a:r>
+          <a:r>
+            <a:rPr lang="en-US" dirty="0" err="1"/>
+            <a:t>Flaskapp</a:t>
+          </a:r>
+          <a:r>
+            <a:rPr lang="en-US" dirty="0"/>
+            <a:t> to load data for interactive visualization</a:t>
           </a:r>
         </a:p>
       </dgm:t>
@@ -3639,7 +3652,7 @@
       </dsp:nvSpPr>
       <dsp:spPr>
         <a:xfrm>
-          <a:off x="1670048" y="283830"/>
+          <a:off x="1670048" y="120446"/>
           <a:ext cx="1509048" cy="1509048"/>
         </a:xfrm>
         <a:prstGeom prst="rect">
@@ -3688,8 +3701,8 @@
       </dsp:nvSpPr>
       <dsp:spPr>
         <a:xfrm>
-          <a:off x="268789" y="1945637"/>
-          <a:ext cx="4311566" cy="646734"/>
+          <a:off x="268789" y="1796307"/>
+          <a:ext cx="4311566" cy="728288"/>
         </a:xfrm>
         <a:prstGeom prst="rect">
           <a:avLst/>
@@ -3718,7 +3731,7 @@
         </a:bodyPr>
         <a:lstStyle/>
         <a:p>
-          <a:pPr marL="0" lvl="0" indent="0" algn="ctr" defTabSz="622300">
+          <a:pPr marL="0" lvl="0" indent="0" algn="ctr" defTabSz="800100">
             <a:lnSpc>
               <a:spcPct val="90000"/>
             </a:lnSpc>
@@ -3732,33 +3745,21 @@
             <a:defRPr b="1"/>
           </a:pPr>
           <a:r>
-            <a:rPr lang="en-US" sz="1400" kern="1200" dirty="0"/>
+            <a:rPr lang="en-US" sz="1800" kern="1200" dirty="0"/>
             <a:t>Data Source: </a:t>
           </a:r>
           <a:r>
-            <a:rPr lang="en-US" sz="1400" u="sng" kern="1200" dirty="0">
+            <a:rPr lang="en-US" sz="1800" u="sng" kern="1200" dirty="0">
               <a:hlinkClick xmlns:r="http://schemas.openxmlformats.org/officeDocument/2006/relationships" r:id="rId3"/>
             </a:rPr>
-            <a:t>https://www.kaggle.com/</a:t>
+            <a:t>https://www.kaggle.com/sudalairajkumar/daily-temperature-of-major-cities</a:t>
           </a:r>
-          <a:r>
-            <a:rPr lang="en-US" sz="2000" u="sng" kern="1200" dirty="0">
-              <a:hlinkClick xmlns:r="http://schemas.openxmlformats.org/officeDocument/2006/relationships" r:id="rId3"/>
-            </a:rPr>
-            <a:t>sudalairajkumar</a:t>
-          </a:r>
-          <a:r>
-            <a:rPr lang="en-US" sz="1400" u="sng" kern="1200" dirty="0">
-              <a:hlinkClick xmlns:r="http://schemas.openxmlformats.org/officeDocument/2006/relationships" r:id="rId3"/>
-            </a:rPr>
-            <a:t>/daily-temperature-of-major-cities</a:t>
-          </a:r>
-          <a:endParaRPr lang="en-US" sz="1400" kern="1200" dirty="0"/>
+          <a:endParaRPr lang="en-US" sz="1800" kern="1200" dirty="0"/>
         </a:p>
       </dsp:txBody>
       <dsp:txXfrm>
-        <a:off x="268789" y="1945637"/>
-        <a:ext cx="4311566" cy="646734"/>
+        <a:off x="268789" y="1796307"/>
+        <a:ext cx="4311566" cy="728288"/>
       </dsp:txXfrm>
     </dsp:sp>
     <dsp:sp modelId="{472C08F8-1D3D-4738-9775-4CA91B608AA7}">
@@ -3768,8 +3769,8 @@
       </dsp:nvSpPr>
       <dsp:spPr>
         <a:xfrm>
-          <a:off x="268789" y="2663422"/>
-          <a:ext cx="4311566" cy="1170818"/>
+          <a:off x="268789" y="2602182"/>
+          <a:ext cx="4311566" cy="1395442"/>
         </a:xfrm>
         <a:prstGeom prst="rect">
           <a:avLst/>
@@ -3800,7 +3801,7 @@
       </dsp:nvSpPr>
       <dsp:spPr>
         <a:xfrm>
-          <a:off x="6736139" y="283830"/>
+          <a:off x="6736139" y="120446"/>
           <a:ext cx="1509048" cy="1509048"/>
         </a:xfrm>
         <a:prstGeom prst="rect">
@@ -3849,8 +3850,8 @@
       </dsp:nvSpPr>
       <dsp:spPr>
         <a:xfrm>
-          <a:off x="5334880" y="1945637"/>
-          <a:ext cx="4311566" cy="646734"/>
+          <a:off x="5334880" y="1796307"/>
+          <a:ext cx="4311566" cy="728288"/>
         </a:xfrm>
         <a:prstGeom prst="rect">
           <a:avLst/>
@@ -3900,8 +3901,8 @@
         </a:p>
       </dsp:txBody>
       <dsp:txXfrm>
-        <a:off x="5334880" y="1945637"/>
-        <a:ext cx="4311566" cy="646734"/>
+        <a:off x="5334880" y="1796307"/>
+        <a:ext cx="4311566" cy="728288"/>
       </dsp:txXfrm>
     </dsp:sp>
     <dsp:sp modelId="{604E8A49-7E41-47D4-9E5F-73A2CF2094F6}">
@@ -3911,8 +3912,8 @@
       </dsp:nvSpPr>
       <dsp:spPr>
         <a:xfrm>
-          <a:off x="5334880" y="2663422"/>
-          <a:ext cx="4311566" cy="1170818"/>
+          <a:off x="5334880" y="2602182"/>
+          <a:ext cx="4311566" cy="1395442"/>
         </a:xfrm>
         <a:prstGeom prst="rect">
           <a:avLst/>
@@ -3990,9 +3991,22 @@
             <a:buNone/>
           </a:pPr>
           <a:r>
-            <a:rPr lang="en-US" sz="1700" kern="1200"/>
-            <a:t>Creating db in posgrel pgAdmin</a:t>
+            <a:rPr lang="en-US" sz="1700" kern="1200" dirty="0"/>
+            <a:t>Creating dB in </a:t>
           </a:r>
+          <a:r>
+            <a:rPr lang="en-US" sz="1700" kern="1200" dirty="0" err="1"/>
+            <a:t>postgrel</a:t>
+          </a:r>
+          <a:r>
+            <a:rPr lang="en-US" sz="1700" kern="1200" dirty="0"/>
+            <a:t> </a:t>
+          </a:r>
+          <a:r>
+            <a:rPr lang="en-US" sz="1700" kern="1200" dirty="0" err="1"/>
+            <a:t>pgAdmin</a:t>
+          </a:r>
+          <a:endParaRPr lang="en-US" sz="1700" kern="1200" dirty="0"/>
         </a:p>
         <a:p>
           <a:pPr marL="0" lvl="0" indent="0" algn="ctr" defTabSz="755650">
@@ -4008,14 +4022,22 @@
             <a:buNone/>
           </a:pPr>
           <a:r>
-            <a:rPr lang="en-US" sz="1700" kern="1200"/>
-            <a:t>Using Flaskapp to load data for visualization</a:t>
+            <a:rPr lang="en-US" sz="1700" kern="1200" dirty="0"/>
+            <a:t>Using </a:t>
+          </a:r>
+          <a:r>
+            <a:rPr lang="en-US" sz="1700" kern="1200" dirty="0" err="1"/>
+            <a:t>Flaskapp</a:t>
+          </a:r>
+          <a:r>
+            <a:rPr lang="en-US" sz="1700" kern="1200" dirty="0"/>
+            <a:t> to load data for interactive visualization</a:t>
           </a:r>
         </a:p>
       </dsp:txBody>
       <dsp:txXfrm>
-        <a:off x="5334880" y="2663422"/>
-        <a:ext cx="4311566" cy="1170818"/>
+        <a:off x="5334880" y="2602182"/>
+        <a:ext cx="4311566" cy="1395442"/>
       </dsp:txXfrm>
     </dsp:sp>
   </dsp:spTree>
@@ -8013,6 +8035,439 @@
     </dgm:style>
   </dgm:styleLbl>
 </dgm:styleDef>
+</file>
+
+<file path=ppt/notesMasters/notesMaster1.xml><?xml version="1.0" encoding="utf-8"?>
+<p:notesMaster xmlns:a="http://schemas.openxmlformats.org/drawingml/2006/main" xmlns:r="http://schemas.openxmlformats.org/officeDocument/2006/relationships" xmlns:p="http://schemas.openxmlformats.org/presentationml/2006/main">
+  <p:cSld>
+    <p:bg>
+      <p:bgRef idx="1001">
+        <a:schemeClr val="bg1"/>
+      </p:bgRef>
+    </p:bg>
+    <p:spTree>
+      <p:nvGrpSpPr>
+        <p:cNvPr id="1" name=""/>
+        <p:cNvGrpSpPr/>
+        <p:nvPr/>
+      </p:nvGrpSpPr>
+      <p:grpSpPr>
+        <a:xfrm>
+          <a:off x="0" y="0"/>
+          <a:ext cx="0" cy="0"/>
+          <a:chOff x="0" y="0"/>
+          <a:chExt cx="0" cy="0"/>
+        </a:xfrm>
+      </p:grpSpPr>
+      <p:sp>
+        <p:nvSpPr>
+          <p:cNvPr id="2" name="Header Placeholder 1"/>
+          <p:cNvSpPr>
+            <a:spLocks noGrp="1"/>
+          </p:cNvSpPr>
+          <p:nvPr>
+            <p:ph type="hdr" sz="quarter"/>
+          </p:nvPr>
+        </p:nvSpPr>
+        <p:spPr>
+          <a:xfrm>
+            <a:off x="0" y="0"/>
+            <a:ext cx="2971800" cy="458788"/>
+          </a:xfrm>
+          <a:prstGeom prst="rect">
+            <a:avLst/>
+          </a:prstGeom>
+        </p:spPr>
+        <p:txBody>
+          <a:bodyPr vert="horz" lIns="91440" tIns="45720" rIns="91440" bIns="45720" rtlCol="0"/>
+          <a:lstStyle>
+            <a:lvl1pPr algn="l">
+              <a:defRPr sz="1200"/>
+            </a:lvl1pPr>
+          </a:lstStyle>
+          <a:p>
+            <a:endParaRPr lang="en-US"/>
+          </a:p>
+        </p:txBody>
+      </p:sp>
+      <p:sp>
+        <p:nvSpPr>
+          <p:cNvPr id="3" name="Date Placeholder 2"/>
+          <p:cNvSpPr>
+            <a:spLocks noGrp="1"/>
+          </p:cNvSpPr>
+          <p:nvPr>
+            <p:ph type="dt" idx="1"/>
+          </p:nvPr>
+        </p:nvSpPr>
+        <p:spPr>
+          <a:xfrm>
+            <a:off x="3884613" y="0"/>
+            <a:ext cx="2971800" cy="458788"/>
+          </a:xfrm>
+          <a:prstGeom prst="rect">
+            <a:avLst/>
+          </a:prstGeom>
+        </p:spPr>
+        <p:txBody>
+          <a:bodyPr vert="horz" lIns="91440" tIns="45720" rIns="91440" bIns="45720" rtlCol="0"/>
+          <a:lstStyle>
+            <a:lvl1pPr algn="r">
+              <a:defRPr sz="1200"/>
+            </a:lvl1pPr>
+          </a:lstStyle>
+          <a:p>
+            <a:fld id="{1CD8212B-FF83-6D45-90FE-2EC416C48FCD}" type="datetimeFigureOut">
+              <a:rPr lang="en-US" smtClean="0"/>
+              <a:t>5/8/21</a:t>
+            </a:fld>
+            <a:endParaRPr lang="en-US"/>
+          </a:p>
+        </p:txBody>
+      </p:sp>
+      <p:sp>
+        <p:nvSpPr>
+          <p:cNvPr id="4" name="Slide Image Placeholder 3"/>
+          <p:cNvSpPr>
+            <a:spLocks noGrp="1" noRot="1" noChangeAspect="1"/>
+          </p:cNvSpPr>
+          <p:nvPr>
+            <p:ph type="sldImg" idx="2"/>
+          </p:nvPr>
+        </p:nvSpPr>
+        <p:spPr>
+          <a:xfrm>
+            <a:off x="685800" y="1143000"/>
+            <a:ext cx="5486400" cy="3086100"/>
+          </a:xfrm>
+          <a:prstGeom prst="rect">
+            <a:avLst/>
+          </a:prstGeom>
+          <a:noFill/>
+          <a:ln w="12700">
+            <a:solidFill>
+              <a:prstClr val="black"/>
+            </a:solidFill>
+          </a:ln>
+        </p:spPr>
+        <p:txBody>
+          <a:bodyPr vert="horz" lIns="91440" tIns="45720" rIns="91440" bIns="45720" rtlCol="0" anchor="ctr"/>
+          <a:lstStyle/>
+          <a:p>
+            <a:endParaRPr lang="en-US"/>
+          </a:p>
+        </p:txBody>
+      </p:sp>
+      <p:sp>
+        <p:nvSpPr>
+          <p:cNvPr id="5" name="Notes Placeholder 4"/>
+          <p:cNvSpPr>
+            <a:spLocks noGrp="1"/>
+          </p:cNvSpPr>
+          <p:nvPr>
+            <p:ph type="body" sz="quarter" idx="3"/>
+          </p:nvPr>
+        </p:nvSpPr>
+        <p:spPr>
+          <a:xfrm>
+            <a:off x="685800" y="4400550"/>
+            <a:ext cx="5486400" cy="3600450"/>
+          </a:xfrm>
+          <a:prstGeom prst="rect">
+            <a:avLst/>
+          </a:prstGeom>
+        </p:spPr>
+        <p:txBody>
+          <a:bodyPr vert="horz" lIns="91440" tIns="45720" rIns="91440" bIns="45720" rtlCol="0"/>
+          <a:lstStyle/>
+          <a:p>
+            <a:pPr lvl="0"/>
+            <a:r>
+              <a:rPr lang="en-US"/>
+              <a:t>Click to edit Master text styles</a:t>
+            </a:r>
+          </a:p>
+          <a:p>
+            <a:pPr lvl="1"/>
+            <a:r>
+              <a:rPr lang="en-US"/>
+              <a:t>Second level</a:t>
+            </a:r>
+          </a:p>
+          <a:p>
+            <a:pPr lvl="2"/>
+            <a:r>
+              <a:rPr lang="en-US"/>
+              <a:t>Third level</a:t>
+            </a:r>
+          </a:p>
+          <a:p>
+            <a:pPr lvl="3"/>
+            <a:r>
+              <a:rPr lang="en-US"/>
+              <a:t>Fourth level</a:t>
+            </a:r>
+          </a:p>
+          <a:p>
+            <a:pPr lvl="4"/>
+            <a:r>
+              <a:rPr lang="en-US"/>
+              <a:t>Fifth level</a:t>
+            </a:r>
+          </a:p>
+        </p:txBody>
+      </p:sp>
+      <p:sp>
+        <p:nvSpPr>
+          <p:cNvPr id="6" name="Footer Placeholder 5"/>
+          <p:cNvSpPr>
+            <a:spLocks noGrp="1"/>
+          </p:cNvSpPr>
+          <p:nvPr>
+            <p:ph type="ftr" sz="quarter" idx="4"/>
+          </p:nvPr>
+        </p:nvSpPr>
+        <p:spPr>
+          <a:xfrm>
+            <a:off x="0" y="8685213"/>
+            <a:ext cx="2971800" cy="458787"/>
+          </a:xfrm>
+          <a:prstGeom prst="rect">
+            <a:avLst/>
+          </a:prstGeom>
+        </p:spPr>
+        <p:txBody>
+          <a:bodyPr vert="horz" lIns="91440" tIns="45720" rIns="91440" bIns="45720" rtlCol="0" anchor="b"/>
+          <a:lstStyle>
+            <a:lvl1pPr algn="l">
+              <a:defRPr sz="1200"/>
+            </a:lvl1pPr>
+          </a:lstStyle>
+          <a:p>
+            <a:endParaRPr lang="en-US"/>
+          </a:p>
+        </p:txBody>
+      </p:sp>
+      <p:sp>
+        <p:nvSpPr>
+          <p:cNvPr id="7" name="Slide Number Placeholder 6"/>
+          <p:cNvSpPr>
+            <a:spLocks noGrp="1"/>
+          </p:cNvSpPr>
+          <p:nvPr>
+            <p:ph type="sldNum" sz="quarter" idx="5"/>
+          </p:nvPr>
+        </p:nvSpPr>
+        <p:spPr>
+          <a:xfrm>
+            <a:off x="3884613" y="8685213"/>
+            <a:ext cx="2971800" cy="458787"/>
+          </a:xfrm>
+          <a:prstGeom prst="rect">
+            <a:avLst/>
+          </a:prstGeom>
+        </p:spPr>
+        <p:txBody>
+          <a:bodyPr vert="horz" lIns="91440" tIns="45720" rIns="91440" bIns="45720" rtlCol="0" anchor="b"/>
+          <a:lstStyle>
+            <a:lvl1pPr algn="r">
+              <a:defRPr sz="1200"/>
+            </a:lvl1pPr>
+          </a:lstStyle>
+          <a:p>
+            <a:fld id="{6F89EC59-D2B0-254D-8F54-4B0249A98664}" type="slidenum">
+              <a:rPr lang="en-US" smtClean="0"/>
+              <a:t>‹#›</a:t>
+            </a:fld>
+            <a:endParaRPr lang="en-US"/>
+          </a:p>
+        </p:txBody>
+      </p:sp>
+    </p:spTree>
+    <p:extLst>
+      <p:ext uri="{BB962C8B-B14F-4D97-AF65-F5344CB8AC3E}">
+        <p14:creationId xmlns:p14="http://schemas.microsoft.com/office/powerpoint/2010/main" val="2676814645"/>
+      </p:ext>
+    </p:extLst>
+  </p:cSld>
+  <p:clrMap bg1="lt1" tx1="dk1" bg2="lt2" tx2="dk2" accent1="accent1" accent2="accent2" accent3="accent3" accent4="accent4" accent5="accent5" accent6="accent6" hlink="hlink" folHlink="folHlink"/>
+  <p:notesStyle>
+    <a:lvl1pPr marL="0" algn="l" defTabSz="914400" rtl="0" eaLnBrk="1" latinLnBrk="0" hangingPunct="1">
+      <a:defRPr sz="1200" kern="1200">
+        <a:solidFill>
+          <a:schemeClr val="tx1"/>
+        </a:solidFill>
+        <a:latin typeface="+mn-lt"/>
+        <a:ea typeface="+mn-ea"/>
+        <a:cs typeface="+mn-cs"/>
+      </a:defRPr>
+    </a:lvl1pPr>
+    <a:lvl2pPr marL="457200" algn="l" defTabSz="914400" rtl="0" eaLnBrk="1" latinLnBrk="0" hangingPunct="1">
+      <a:defRPr sz="1200" kern="1200">
+        <a:solidFill>
+          <a:schemeClr val="tx1"/>
+        </a:solidFill>
+        <a:latin typeface="+mn-lt"/>
+        <a:ea typeface="+mn-ea"/>
+        <a:cs typeface="+mn-cs"/>
+      </a:defRPr>
+    </a:lvl2pPr>
+    <a:lvl3pPr marL="914400" algn="l" defTabSz="914400" rtl="0" eaLnBrk="1" latinLnBrk="0" hangingPunct="1">
+      <a:defRPr sz="1200" kern="1200">
+        <a:solidFill>
+          <a:schemeClr val="tx1"/>
+        </a:solidFill>
+        <a:latin typeface="+mn-lt"/>
+        <a:ea typeface="+mn-ea"/>
+        <a:cs typeface="+mn-cs"/>
+      </a:defRPr>
+    </a:lvl3pPr>
+    <a:lvl4pPr marL="1371600" algn="l" defTabSz="914400" rtl="0" eaLnBrk="1" latinLnBrk="0" hangingPunct="1">
+      <a:defRPr sz="1200" kern="1200">
+        <a:solidFill>
+          <a:schemeClr val="tx1"/>
+        </a:solidFill>
+        <a:latin typeface="+mn-lt"/>
+        <a:ea typeface="+mn-ea"/>
+        <a:cs typeface="+mn-cs"/>
+      </a:defRPr>
+    </a:lvl4pPr>
+    <a:lvl5pPr marL="1828800" algn="l" defTabSz="914400" rtl="0" eaLnBrk="1" latinLnBrk="0" hangingPunct="1">
+      <a:defRPr sz="1200" kern="1200">
+        <a:solidFill>
+          <a:schemeClr val="tx1"/>
+        </a:solidFill>
+        <a:latin typeface="+mn-lt"/>
+        <a:ea typeface="+mn-ea"/>
+        <a:cs typeface="+mn-cs"/>
+      </a:defRPr>
+    </a:lvl5pPr>
+    <a:lvl6pPr marL="2286000" algn="l" defTabSz="914400" rtl="0" eaLnBrk="1" latinLnBrk="0" hangingPunct="1">
+      <a:defRPr sz="1200" kern="1200">
+        <a:solidFill>
+          <a:schemeClr val="tx1"/>
+        </a:solidFill>
+        <a:latin typeface="+mn-lt"/>
+        <a:ea typeface="+mn-ea"/>
+        <a:cs typeface="+mn-cs"/>
+      </a:defRPr>
+    </a:lvl6pPr>
+    <a:lvl7pPr marL="2743200" algn="l" defTabSz="914400" rtl="0" eaLnBrk="1" latinLnBrk="0" hangingPunct="1">
+      <a:defRPr sz="1200" kern="1200">
+        <a:solidFill>
+          <a:schemeClr val="tx1"/>
+        </a:solidFill>
+        <a:latin typeface="+mn-lt"/>
+        <a:ea typeface="+mn-ea"/>
+        <a:cs typeface="+mn-cs"/>
+      </a:defRPr>
+    </a:lvl7pPr>
+    <a:lvl8pPr marL="3200400" algn="l" defTabSz="914400" rtl="0" eaLnBrk="1" latinLnBrk="0" hangingPunct="1">
+      <a:defRPr sz="1200" kern="1200">
+        <a:solidFill>
+          <a:schemeClr val="tx1"/>
+        </a:solidFill>
+        <a:latin typeface="+mn-lt"/>
+        <a:ea typeface="+mn-ea"/>
+        <a:cs typeface="+mn-cs"/>
+      </a:defRPr>
+    </a:lvl8pPr>
+    <a:lvl9pPr marL="3657600" algn="l" defTabSz="914400" rtl="0" eaLnBrk="1" latinLnBrk="0" hangingPunct="1">
+      <a:defRPr sz="1200" kern="1200">
+        <a:solidFill>
+          <a:schemeClr val="tx1"/>
+        </a:solidFill>
+        <a:latin typeface="+mn-lt"/>
+        <a:ea typeface="+mn-ea"/>
+        <a:cs typeface="+mn-cs"/>
+      </a:defRPr>
+    </a:lvl9pPr>
+  </p:notesStyle>
+</p:notesMaster>
+</file>
+
+<file path=ppt/notesSlides/notesSlide1.xml><?xml version="1.0" encoding="utf-8"?>
+<p:notes xmlns:a="http://schemas.openxmlformats.org/drawingml/2006/main" xmlns:r="http://schemas.openxmlformats.org/officeDocument/2006/relationships" xmlns:p="http://schemas.openxmlformats.org/presentationml/2006/main">
+  <p:cSld>
+    <p:spTree>
+      <p:nvGrpSpPr>
+        <p:cNvPr id="1" name=""/>
+        <p:cNvGrpSpPr/>
+        <p:nvPr/>
+      </p:nvGrpSpPr>
+      <p:grpSpPr>
+        <a:xfrm>
+          <a:off x="0" y="0"/>
+          <a:ext cx="0" cy="0"/>
+          <a:chOff x="0" y="0"/>
+          <a:chExt cx="0" cy="0"/>
+        </a:xfrm>
+      </p:grpSpPr>
+      <p:sp>
+        <p:nvSpPr>
+          <p:cNvPr id="2" name="Slide Image Placeholder 1"/>
+          <p:cNvSpPr>
+            <a:spLocks noGrp="1" noRot="1" noChangeAspect="1"/>
+          </p:cNvSpPr>
+          <p:nvPr>
+            <p:ph type="sldImg"/>
+          </p:nvPr>
+        </p:nvSpPr>
+        <p:spPr/>
+      </p:sp>
+      <p:sp>
+        <p:nvSpPr>
+          <p:cNvPr id="3" name="Notes Placeholder 2"/>
+          <p:cNvSpPr>
+            <a:spLocks noGrp="1"/>
+          </p:cNvSpPr>
+          <p:nvPr>
+            <p:ph type="body" idx="1"/>
+          </p:nvPr>
+        </p:nvSpPr>
+        <p:spPr/>
+        <p:txBody>
+          <a:bodyPr/>
+          <a:lstStyle/>
+          <a:p>
+            <a:endParaRPr lang="en-US" dirty="0"/>
+          </a:p>
+        </p:txBody>
+      </p:sp>
+      <p:sp>
+        <p:nvSpPr>
+          <p:cNvPr id="4" name="Slide Number Placeholder 3"/>
+          <p:cNvSpPr>
+            <a:spLocks noGrp="1"/>
+          </p:cNvSpPr>
+          <p:nvPr>
+            <p:ph type="sldNum" sz="quarter" idx="5"/>
+          </p:nvPr>
+        </p:nvSpPr>
+        <p:spPr/>
+        <p:txBody>
+          <a:bodyPr/>
+          <a:lstStyle/>
+          <a:p>
+            <a:fld id="{6F89EC59-D2B0-254D-8F54-4B0249A98664}" type="slidenum">
+              <a:rPr lang="en-US" smtClean="0"/>
+              <a:t>1</a:t>
+            </a:fld>
+            <a:endParaRPr lang="en-US"/>
+          </a:p>
+        </p:txBody>
+      </p:sp>
+    </p:spTree>
+    <p:extLst>
+      <p:ext uri="{BB962C8B-B14F-4D97-AF65-F5344CB8AC3E}">
+        <p14:creationId xmlns:p14="http://schemas.microsoft.com/office/powerpoint/2010/main" val="947530640"/>
+      </p:ext>
+    </p:extLst>
+  </p:cSld>
+  <p:clrMapOvr>
+    <a:masterClrMapping/>
+  </p:clrMapOvr>
+</p:notes>
 </file>
 
 <file path=ppt/slideLayouts/slideLayout1.xml><?xml version="1.0" encoding="utf-8"?>
@@ -12290,7 +12745,7 @@
           <p:nvPr/>
         </p:nvPicPr>
         <p:blipFill rotWithShape="1">
-          <a:blip r:embed="rId2"/>
+          <a:blip r:embed="rId3"/>
           <a:srcRect t="9113"/>
           <a:stretch/>
         </p:blipFill>
@@ -12910,7 +13365,7 @@
             <p:ph idx="1"/>
             <p:extLst>
               <p:ext uri="{D42A27DB-BD31-4B8C-83A1-F6EECF244321}">
-                <p14:modId xmlns:p14="http://schemas.microsoft.com/office/powerpoint/2010/main" val="1148045332"/>
+                <p14:modId xmlns:p14="http://schemas.microsoft.com/office/powerpoint/2010/main" val="404680367"/>
               </p:ext>
             </p:extLst>
           </p:nvPr>
@@ -13211,6 +13666,297 @@
 </file>
 
 <file path=ppt/slides/slide5.xml><?xml version="1.0" encoding="utf-8"?>
+<p:sld xmlns:a="http://schemas.openxmlformats.org/drawingml/2006/main" xmlns:r="http://schemas.openxmlformats.org/officeDocument/2006/relationships" xmlns:p="http://schemas.openxmlformats.org/presentationml/2006/main">
+  <p:cSld>
+    <p:bg>
+      <p:bgPr>
+        <a:solidFill>
+          <a:schemeClr val="bg1"/>
+        </a:solidFill>
+        <a:effectLst/>
+      </p:bgPr>
+    </p:bg>
+    <p:spTree>
+      <p:nvGrpSpPr>
+        <p:cNvPr id="1" name=""/>
+        <p:cNvGrpSpPr/>
+        <p:nvPr/>
+      </p:nvGrpSpPr>
+      <p:grpSpPr>
+        <a:xfrm>
+          <a:off x="0" y="0"/>
+          <a:ext cx="0" cy="0"/>
+          <a:chOff x="0" y="0"/>
+          <a:chExt cx="0" cy="0"/>
+        </a:xfrm>
+      </p:grpSpPr>
+      <p:sp>
+        <p:nvSpPr>
+          <p:cNvPr id="16" name="Rectangle 15">
+            <a:extLst>
+              <a:ext uri="{FF2B5EF4-FFF2-40B4-BE49-F238E27FC236}">
+                <a16:creationId xmlns:a16="http://schemas.microsoft.com/office/drawing/2014/main" id="{6EB4BFD6-A85D-4A13-A54A-9A5C9E31C69E}"/>
+              </a:ext>
+              <a:ext uri="{C183D7F6-B498-43B3-948B-1728B52AA6E4}">
+                <adec:decorative xmlns:adec="http://schemas.microsoft.com/office/drawing/2017/decorative" val="1"/>
+              </a:ext>
+            </a:extLst>
+          </p:cNvPr>
+          <p:cNvSpPr>
+            <a:spLocks noGrp="1" noRot="1" noChangeAspect="1" noMove="1" noResize="1" noEditPoints="1" noAdjustHandles="1" noChangeArrowheads="1" noChangeShapeType="1" noTextEdit="1"/>
+          </p:cNvSpPr>
+          <p:nvPr>
+            <p:extLst>
+              <p:ext uri="{386F3935-93C4-4BCD-93E2-E3B085C9AB24}">
+                <p16:designElem xmlns:p16="http://schemas.microsoft.com/office/powerpoint/2015/main" val="1"/>
+              </p:ext>
+            </p:extLst>
+          </p:nvPr>
+        </p:nvSpPr>
+        <p:spPr>
+          <a:xfrm>
+            <a:off x="0" y="0"/>
+            <a:ext cx="12192000" cy="6858000"/>
+          </a:xfrm>
+          <a:prstGeom prst="rect">
+            <a:avLst/>
+          </a:prstGeom>
+          <a:solidFill>
+            <a:schemeClr val="tx1">
+              <a:lumMod val="65000"/>
+              <a:lumOff val="35000"/>
+            </a:schemeClr>
+          </a:solidFill>
+          <a:ln>
+            <a:noFill/>
+          </a:ln>
+        </p:spPr>
+        <p:style>
+          <a:lnRef idx="2">
+            <a:schemeClr val="accent1">
+              <a:shade val="50000"/>
+            </a:schemeClr>
+          </a:lnRef>
+          <a:fillRef idx="1">
+            <a:schemeClr val="accent1"/>
+          </a:fillRef>
+          <a:effectRef idx="0">
+            <a:schemeClr val="accent1"/>
+          </a:effectRef>
+          <a:fontRef idx="minor">
+            <a:schemeClr val="lt1"/>
+          </a:fontRef>
+        </p:style>
+        <p:txBody>
+          <a:bodyPr rtlCol="0" anchor="ctr"/>
+          <a:lstStyle/>
+          <a:p>
+            <a:pPr algn="ctr"/>
+            <a:endParaRPr lang="en-US"/>
+          </a:p>
+        </p:txBody>
+      </p:sp>
+      <p:sp>
+        <p:nvSpPr>
+          <p:cNvPr id="18" name="Rectangle 17">
+            <a:extLst>
+              <a:ext uri="{FF2B5EF4-FFF2-40B4-BE49-F238E27FC236}">
+                <a16:creationId xmlns:a16="http://schemas.microsoft.com/office/drawing/2014/main" id="{B5DD78E9-DE0D-47AF-A0DB-F475221E3DC7}"/>
+              </a:ext>
+              <a:ext uri="{C183D7F6-B498-43B3-948B-1728B52AA6E4}">
+                <adec:decorative xmlns:adec="http://schemas.microsoft.com/office/drawing/2017/decorative" val="1"/>
+              </a:ext>
+            </a:extLst>
+          </p:cNvPr>
+          <p:cNvSpPr>
+            <a:spLocks noGrp="1" noRot="1" noChangeAspect="1" noMove="1" noResize="1" noEditPoints="1" noAdjustHandles="1" noChangeArrowheads="1" noChangeShapeType="1" noTextEdit="1"/>
+          </p:cNvSpPr>
+          <p:nvPr>
+            <p:extLst>
+              <p:ext uri="{386F3935-93C4-4BCD-93E2-E3B085C9AB24}">
+                <p16:designElem xmlns:p16="http://schemas.microsoft.com/office/powerpoint/2015/main" val="1"/>
+              </p:ext>
+            </p:extLst>
+          </p:nvPr>
+        </p:nvSpPr>
+        <p:spPr>
+          <a:xfrm>
+            <a:off x="632108" y="610955"/>
+            <a:ext cx="10927784" cy="5636090"/>
+          </a:xfrm>
+          <a:prstGeom prst="rect">
+            <a:avLst/>
+          </a:prstGeom>
+          <a:solidFill>
+            <a:srgbClr val="FFFFFF"/>
+          </a:solidFill>
+          <a:ln w="6350" cap="flat" cmpd="sng" algn="ctr">
+            <a:noFill/>
+            <a:prstDash val="solid"/>
+          </a:ln>
+          <a:effectLst>
+            <a:outerShdw blurRad="50800" algn="ctr" rotWithShape="0">
+              <a:prstClr val="black">
+                <a:alpha val="66000"/>
+              </a:prstClr>
+            </a:outerShdw>
+            <a:softEdge rad="0"/>
+          </a:effectLst>
+        </p:spPr>
+      </p:sp>
+      <p:sp useBgFill="1">
+        <p:nvSpPr>
+          <p:cNvPr id="20" name="Rectangle 19">
+            <a:extLst>
+              <a:ext uri="{FF2B5EF4-FFF2-40B4-BE49-F238E27FC236}">
+                <a16:creationId xmlns:a16="http://schemas.microsoft.com/office/drawing/2014/main" id="{A118D329-2010-4A15-B57C-429FFAE35B11}"/>
+              </a:ext>
+              <a:ext uri="{C183D7F6-B498-43B3-948B-1728B52AA6E4}">
+                <adec:decorative xmlns:adec="http://schemas.microsoft.com/office/drawing/2017/decorative" val="1"/>
+              </a:ext>
+            </a:extLst>
+          </p:cNvPr>
+          <p:cNvSpPr>
+            <a:spLocks noGrp="1" noRot="1" noChangeAspect="1" noMove="1" noResize="1" noEditPoints="1" noAdjustHandles="1" noChangeArrowheads="1" noChangeShapeType="1" noTextEdit="1"/>
+          </p:cNvSpPr>
+          <p:nvPr>
+            <p:extLst>
+              <p:ext uri="{386F3935-93C4-4BCD-93E2-E3B085C9AB24}">
+                <p16:designElem xmlns:p16="http://schemas.microsoft.com/office/powerpoint/2015/main" val="1"/>
+              </p:ext>
+            </p:extLst>
+          </p:nvPr>
+        </p:nvSpPr>
+        <p:spPr>
+          <a:xfrm>
+            <a:off x="797052" y="777240"/>
+            <a:ext cx="10597896" cy="5303520"/>
+          </a:xfrm>
+          <a:prstGeom prst="rect">
+            <a:avLst/>
+          </a:prstGeom>
+          <a:ln w="6350" cap="sq" cmpd="sng" algn="ctr">
+            <a:solidFill>
+              <a:schemeClr val="tx1">
+                <a:lumMod val="75000"/>
+                <a:lumOff val="25000"/>
+              </a:schemeClr>
+            </a:solidFill>
+            <a:prstDash val="solid"/>
+            <a:miter lim="800000"/>
+          </a:ln>
+          <a:effectLst/>
+        </p:spPr>
+      </p:sp>
+      <p:sp>
+        <p:nvSpPr>
+          <p:cNvPr id="2" name="Title 1">
+            <a:extLst>
+              <a:ext uri="{FF2B5EF4-FFF2-40B4-BE49-F238E27FC236}">
+                <a16:creationId xmlns:a16="http://schemas.microsoft.com/office/drawing/2014/main" id="{5456D051-1418-2044-BDE0-17F976B067D8}"/>
+              </a:ext>
+            </a:extLst>
+          </p:cNvPr>
+          <p:cNvSpPr>
+            <a:spLocks noGrp="1"/>
+          </p:cNvSpPr>
+          <p:nvPr>
+            <p:ph type="ctrTitle"/>
+          </p:nvPr>
+        </p:nvSpPr>
+        <p:spPr>
+          <a:xfrm>
+            <a:off x="1263520" y="1272800"/>
+            <a:ext cx="6544620" cy="4312402"/>
+          </a:xfrm>
+        </p:spPr>
+        <p:txBody>
+          <a:bodyPr anchor="ctr">
+            <a:normAutofit/>
+          </a:bodyPr>
+          <a:lstStyle/>
+          <a:p>
+            <a:pPr algn="r"/>
+            <a:r>
+              <a:rPr lang="en-US">
+                <a:solidFill>
+                  <a:schemeClr val="tx1"/>
+                </a:solidFill>
+              </a:rPr>
+              <a:t>Brief Overview</a:t>
+            </a:r>
+          </a:p>
+        </p:txBody>
+      </p:sp>
+      <p:cxnSp>
+        <p:nvCxnSpPr>
+          <p:cNvPr id="22" name="Straight Connector 21">
+            <a:extLst>
+              <a:ext uri="{FF2B5EF4-FFF2-40B4-BE49-F238E27FC236}">
+                <a16:creationId xmlns:a16="http://schemas.microsoft.com/office/drawing/2014/main" id="{994262BC-EE98-4BD6-82DB-4955E8DCC290}"/>
+              </a:ext>
+              <a:ext uri="{C183D7F6-B498-43B3-948B-1728B52AA6E4}">
+                <adec:decorative xmlns:adec="http://schemas.microsoft.com/office/drawing/2017/decorative" val="1"/>
+              </a:ext>
+            </a:extLst>
+          </p:cNvPr>
+          <p:cNvCxnSpPr>
+            <a:cxnSpLocks noGrp="1" noRot="1" noChangeAspect="1" noMove="1" noResize="1" noEditPoints="1" noAdjustHandles="1" noChangeArrowheads="1" noChangeShapeType="1"/>
+          </p:cNvCxnSpPr>
+          <p:nvPr>
+            <p:extLst>
+              <p:ext uri="{386F3935-93C4-4BCD-93E2-E3B085C9AB24}">
+                <p16:designElem xmlns:p16="http://schemas.microsoft.com/office/powerpoint/2015/main" val="1"/>
+              </p:ext>
+            </p:extLst>
+          </p:nvPr>
+        </p:nvCxnSpPr>
+        <p:spPr>
+          <a:xfrm>
+            <a:off x="8129872" y="2057401"/>
+            <a:ext cx="0" cy="2743200"/>
+          </a:xfrm>
+          <a:prstGeom prst="line">
+            <a:avLst/>
+          </a:prstGeom>
+          <a:ln w="12700">
+            <a:solidFill>
+              <a:schemeClr val="tx1">
+                <a:lumMod val="75000"/>
+                <a:lumOff val="25000"/>
+              </a:schemeClr>
+            </a:solidFill>
+          </a:ln>
+        </p:spPr>
+        <p:style>
+          <a:lnRef idx="1">
+            <a:schemeClr val="accent1"/>
+          </a:lnRef>
+          <a:fillRef idx="0">
+            <a:schemeClr val="accent1"/>
+          </a:fillRef>
+          <a:effectRef idx="0">
+            <a:schemeClr val="accent1"/>
+          </a:effectRef>
+          <a:fontRef idx="minor">
+            <a:schemeClr val="tx1"/>
+          </a:fontRef>
+        </p:style>
+      </p:cxnSp>
+    </p:spTree>
+    <p:extLst>
+      <p:ext uri="{BB962C8B-B14F-4D97-AF65-F5344CB8AC3E}">
+        <p14:creationId xmlns:p14="http://schemas.microsoft.com/office/powerpoint/2010/main" val="104726859"/>
+      </p:ext>
+    </p:extLst>
+  </p:cSld>
+  <p:clrMapOvr>
+    <a:masterClrMapping/>
+  </p:clrMapOvr>
+</p:sld>
+</file>
+
+<file path=ppt/slides/slide6.xml><?xml version="1.0" encoding="utf-8"?>
 <p:sld xmlns:a="http://schemas.openxmlformats.org/drawingml/2006/main" xmlns:r="http://schemas.openxmlformats.org/officeDocument/2006/relationships" xmlns:p="http://schemas.openxmlformats.org/presentationml/2006/main">
   <p:cSld>
     <p:bg>
@@ -13841,57 +14587,9 @@
           <a:lstStyle/>
           <a:p>
             <a:r>
-              <a:rPr lang="en-US" sz="5100"/>
+              <a:rPr lang="en-US" sz="5100" dirty="0"/>
               <a:t>Presenting the Findings &amp; conclusions</a:t>
             </a:r>
-          </a:p>
-        </p:txBody>
-      </p:sp>
-      <p:sp>
-        <p:nvSpPr>
-          <p:cNvPr id="4" name="Text Placeholder 3">
-            <a:extLst>
-              <a:ext uri="{FF2B5EF4-FFF2-40B4-BE49-F238E27FC236}">
-                <a16:creationId xmlns:a16="http://schemas.microsoft.com/office/drawing/2014/main" id="{3515D17F-4E76-8A43-98BC-E60D0E59AAEA}"/>
-              </a:ext>
-            </a:extLst>
-          </p:cNvPr>
-          <p:cNvSpPr>
-            <a:spLocks noGrp="1"/>
-          </p:cNvSpPr>
-          <p:nvPr>
-            <p:ph type="body" idx="1"/>
-          </p:nvPr>
-        </p:nvSpPr>
-        <p:spPr>
-          <a:xfrm>
-            <a:off x="1371600" y="5220472"/>
-            <a:ext cx="9517450" cy="638904"/>
-          </a:xfrm>
-        </p:spPr>
-        <p:txBody>
-          <a:bodyPr vert="horz" lIns="91440" tIns="45720" rIns="91440" bIns="45720" rtlCol="0">
-            <a:normAutofit/>
-          </a:bodyPr>
-          <a:lstStyle/>
-          <a:p>
-            <a:pPr>
-              <a:spcBef>
-                <a:spcPts val="0"/>
-              </a:spcBef>
-              <a:spcAft>
-                <a:spcPts val="600"/>
-              </a:spcAft>
-            </a:pPr>
-            <a:r>
-              <a:rPr lang="en-US" spc="80"/>
-              <a:t>Steffany</a:t>
-            </a:r>
-            <a:r>
-              <a:rPr lang="en-US" spc="80" dirty="0"/>
-              <a:t>/Eric</a:t>
-            </a:r>
-            <a:endParaRPr lang="en-US" spc="80"/>
           </a:p>
         </p:txBody>
       </p:sp>
@@ -14179,7 +14877,7 @@
 </p:sld>
 </file>
 
-<file path=ppt/slides/slide6.xml><?xml version="1.0" encoding="utf-8"?>
+<file path=ppt/slides/slide7.xml><?xml version="1.0" encoding="utf-8"?>
 <p:sld xmlns:a="http://schemas.openxmlformats.org/drawingml/2006/main" xmlns:r="http://schemas.openxmlformats.org/officeDocument/2006/relationships" xmlns:p="http://schemas.openxmlformats.org/presentationml/2006/main">
   <p:cSld>
     <p:bg>
@@ -14732,4 +15430,299 @@
     </a:ext>
   </a:extLst>
 </a:theme>
+</file>
+
+<file path=ppt/theme/theme2.xml><?xml version="1.0" encoding="utf-8"?>
+<a:theme xmlns:a="http://schemas.openxmlformats.org/drawingml/2006/main" name="Office Theme">
+  <a:themeElements>
+    <a:clrScheme name="Office">
+      <a:dk1>
+        <a:sysClr val="windowText" lastClr="000000"/>
+      </a:dk1>
+      <a:lt1>
+        <a:sysClr val="window" lastClr="FFFFFF"/>
+      </a:lt1>
+      <a:dk2>
+        <a:srgbClr val="44546A"/>
+      </a:dk2>
+      <a:lt2>
+        <a:srgbClr val="E7E6E6"/>
+      </a:lt2>
+      <a:accent1>
+        <a:srgbClr val="4472C4"/>
+      </a:accent1>
+      <a:accent2>
+        <a:srgbClr val="ED7D31"/>
+      </a:accent2>
+      <a:accent3>
+        <a:srgbClr val="A5A5A5"/>
+      </a:accent3>
+      <a:accent4>
+        <a:srgbClr val="FFC000"/>
+      </a:accent4>
+      <a:accent5>
+        <a:srgbClr val="5B9BD5"/>
+      </a:accent5>
+      <a:accent6>
+        <a:srgbClr val="70AD47"/>
+      </a:accent6>
+      <a:hlink>
+        <a:srgbClr val="0563C1"/>
+      </a:hlink>
+      <a:folHlink>
+        <a:srgbClr val="954F72"/>
+      </a:folHlink>
+    </a:clrScheme>
+    <a:fontScheme name="Office">
+      <a:majorFont>
+        <a:latin typeface="Calibri Light" panose="020F0302020204030204"/>
+        <a:ea typeface=""/>
+        <a:cs typeface=""/>
+        <a:font script="Jpan" typeface="游ゴシック Light"/>
+        <a:font script="Hang" typeface="맑은 고딕"/>
+        <a:font script="Hans" typeface="等线 Light"/>
+        <a:font script="Hant" typeface="新細明體"/>
+        <a:font script="Arab" typeface="Times New Roman"/>
+        <a:font script="Hebr" typeface="Times New Roman"/>
+        <a:font script="Thai" typeface="Angsana New"/>
+        <a:font script="Ethi" typeface="Nyala"/>
+        <a:font script="Beng" typeface="Vrinda"/>
+        <a:font script="Gujr" typeface="Shruti"/>
+        <a:font script="Khmr" typeface="MoolBoran"/>
+        <a:font script="Knda" typeface="Tunga"/>
+        <a:font script="Guru" typeface="Raavi"/>
+        <a:font script="Cans" typeface="Euphemia"/>
+        <a:font script="Cher" typeface="Plantagenet Cherokee"/>
+        <a:font script="Yiii" typeface="Microsoft Yi Baiti"/>
+        <a:font script="Tibt" typeface="Microsoft Himalaya"/>
+        <a:font script="Thaa" typeface="MV Boli"/>
+        <a:font script="Deva" typeface="Mangal"/>
+        <a:font script="Telu" typeface="Gautami"/>
+        <a:font script="Taml" typeface="Latha"/>
+        <a:font script="Syrc" typeface="Estrangelo Edessa"/>
+        <a:font script="Orya" typeface="Kalinga"/>
+        <a:font script="Mlym" typeface="Kartika"/>
+        <a:font script="Laoo" typeface="DokChampa"/>
+        <a:font script="Sinh" typeface="Iskoola Pota"/>
+        <a:font script="Mong" typeface="Mongolian Baiti"/>
+        <a:font script="Viet" typeface="Times New Roman"/>
+        <a:font script="Uigh" typeface="Microsoft Uighur"/>
+        <a:font script="Geor" typeface="Sylfaen"/>
+        <a:font script="Armn" typeface="Arial"/>
+        <a:font script="Bugi" typeface="Leelawadee UI"/>
+        <a:font script="Bopo" typeface="Microsoft JhengHei"/>
+        <a:font script="Java" typeface="Javanese Text"/>
+        <a:font script="Lisu" typeface="Segoe UI"/>
+        <a:font script="Mymr" typeface="Myanmar Text"/>
+        <a:font script="Nkoo" typeface="Ebrima"/>
+        <a:font script="Olck" typeface="Nirmala UI"/>
+        <a:font script="Osma" typeface="Ebrima"/>
+        <a:font script="Phag" typeface="Phagspa"/>
+        <a:font script="Syrn" typeface="Estrangelo Edessa"/>
+        <a:font script="Syrj" typeface="Estrangelo Edessa"/>
+        <a:font script="Syre" typeface="Estrangelo Edessa"/>
+        <a:font script="Sora" typeface="Nirmala UI"/>
+        <a:font script="Tale" typeface="Microsoft Tai Le"/>
+        <a:font script="Talu" typeface="Microsoft New Tai Lue"/>
+        <a:font script="Tfng" typeface="Ebrima"/>
+      </a:majorFont>
+      <a:minorFont>
+        <a:latin typeface="Calibri" panose="020F0502020204030204"/>
+        <a:ea typeface=""/>
+        <a:cs typeface=""/>
+        <a:font script="Jpan" typeface="游ゴシック"/>
+        <a:font script="Hang" typeface="맑은 고딕"/>
+        <a:font script="Hans" typeface="等线"/>
+        <a:font script="Hant" typeface="新細明體"/>
+        <a:font script="Arab" typeface="Arial"/>
+        <a:font script="Hebr" typeface="Arial"/>
+        <a:font script="Thai" typeface="Cordia New"/>
+        <a:font script="Ethi" typeface="Nyala"/>
+        <a:font script="Beng" typeface="Vrinda"/>
+        <a:font script="Gujr" typeface="Shruti"/>
+        <a:font script="Khmr" typeface="DaunPenh"/>
+        <a:font script="Knda" typeface="Tunga"/>
+        <a:font script="Guru" typeface="Raavi"/>
+        <a:font script="Cans" typeface="Euphemia"/>
+        <a:font script="Cher" typeface="Plantagenet Cherokee"/>
+        <a:font script="Yiii" typeface="Microsoft Yi Baiti"/>
+        <a:font script="Tibt" typeface="Microsoft Himalaya"/>
+        <a:font script="Thaa" typeface="MV Boli"/>
+        <a:font script="Deva" typeface="Mangal"/>
+        <a:font script="Telu" typeface="Gautami"/>
+        <a:font script="Taml" typeface="Latha"/>
+        <a:font script="Syrc" typeface="Estrangelo Edessa"/>
+        <a:font script="Orya" typeface="Kalinga"/>
+        <a:font script="Mlym" typeface="Kartika"/>
+        <a:font script="Laoo" typeface="DokChampa"/>
+        <a:font script="Sinh" typeface="Iskoola Pota"/>
+        <a:font script="Mong" typeface="Mongolian Baiti"/>
+        <a:font script="Viet" typeface="Arial"/>
+        <a:font script="Uigh" typeface="Microsoft Uighur"/>
+        <a:font script="Geor" typeface="Sylfaen"/>
+        <a:font script="Armn" typeface="Arial"/>
+        <a:font script="Bugi" typeface="Leelawadee UI"/>
+        <a:font script="Bopo" typeface="Microsoft JhengHei"/>
+        <a:font script="Java" typeface="Javanese Text"/>
+        <a:font script="Lisu" typeface="Segoe UI"/>
+        <a:font script="Mymr" typeface="Myanmar Text"/>
+        <a:font script="Nkoo" typeface="Ebrima"/>
+        <a:font script="Olck" typeface="Nirmala UI"/>
+        <a:font script="Osma" typeface="Ebrima"/>
+        <a:font script="Phag" typeface="Phagspa"/>
+        <a:font script="Syrn" typeface="Estrangelo Edessa"/>
+        <a:font script="Syrj" typeface="Estrangelo Edessa"/>
+        <a:font script="Syre" typeface="Estrangelo Edessa"/>
+        <a:font script="Sora" typeface="Nirmala UI"/>
+        <a:font script="Tale" typeface="Microsoft Tai Le"/>
+        <a:font script="Talu" typeface="Microsoft New Tai Lue"/>
+        <a:font script="Tfng" typeface="Ebrima"/>
+      </a:minorFont>
+    </a:fontScheme>
+    <a:fmtScheme name="Office">
+      <a:fillStyleLst>
+        <a:solidFill>
+          <a:schemeClr val="phClr"/>
+        </a:solidFill>
+        <a:gradFill rotWithShape="1">
+          <a:gsLst>
+            <a:gs pos="0">
+              <a:schemeClr val="phClr">
+                <a:lumMod val="110000"/>
+                <a:satMod val="105000"/>
+                <a:tint val="67000"/>
+              </a:schemeClr>
+            </a:gs>
+            <a:gs pos="50000">
+              <a:schemeClr val="phClr">
+                <a:lumMod val="105000"/>
+                <a:satMod val="103000"/>
+                <a:tint val="73000"/>
+              </a:schemeClr>
+            </a:gs>
+            <a:gs pos="100000">
+              <a:schemeClr val="phClr">
+                <a:lumMod val="105000"/>
+                <a:satMod val="109000"/>
+                <a:tint val="81000"/>
+              </a:schemeClr>
+            </a:gs>
+          </a:gsLst>
+          <a:lin ang="5400000" scaled="0"/>
+        </a:gradFill>
+        <a:gradFill rotWithShape="1">
+          <a:gsLst>
+            <a:gs pos="0">
+              <a:schemeClr val="phClr">
+                <a:satMod val="103000"/>
+                <a:lumMod val="102000"/>
+                <a:tint val="94000"/>
+              </a:schemeClr>
+            </a:gs>
+            <a:gs pos="50000">
+              <a:schemeClr val="phClr">
+                <a:satMod val="110000"/>
+                <a:lumMod val="100000"/>
+                <a:shade val="100000"/>
+              </a:schemeClr>
+            </a:gs>
+            <a:gs pos="100000">
+              <a:schemeClr val="phClr">
+                <a:lumMod val="99000"/>
+                <a:satMod val="120000"/>
+                <a:shade val="78000"/>
+              </a:schemeClr>
+            </a:gs>
+          </a:gsLst>
+          <a:lin ang="5400000" scaled="0"/>
+        </a:gradFill>
+      </a:fillStyleLst>
+      <a:lnStyleLst>
+        <a:ln w="6350" cap="flat" cmpd="sng" algn="ctr">
+          <a:solidFill>
+            <a:schemeClr val="phClr"/>
+          </a:solidFill>
+          <a:prstDash val="solid"/>
+          <a:miter lim="800000"/>
+        </a:ln>
+        <a:ln w="12700" cap="flat" cmpd="sng" algn="ctr">
+          <a:solidFill>
+            <a:schemeClr val="phClr"/>
+          </a:solidFill>
+          <a:prstDash val="solid"/>
+          <a:miter lim="800000"/>
+        </a:ln>
+        <a:ln w="19050" cap="flat" cmpd="sng" algn="ctr">
+          <a:solidFill>
+            <a:schemeClr val="phClr"/>
+          </a:solidFill>
+          <a:prstDash val="solid"/>
+          <a:miter lim="800000"/>
+        </a:ln>
+      </a:lnStyleLst>
+      <a:effectStyleLst>
+        <a:effectStyle>
+          <a:effectLst/>
+        </a:effectStyle>
+        <a:effectStyle>
+          <a:effectLst/>
+        </a:effectStyle>
+        <a:effectStyle>
+          <a:effectLst>
+            <a:outerShdw blurRad="57150" dist="19050" dir="5400000" algn="ctr" rotWithShape="0">
+              <a:srgbClr val="000000">
+                <a:alpha val="63000"/>
+              </a:srgbClr>
+            </a:outerShdw>
+          </a:effectLst>
+        </a:effectStyle>
+      </a:effectStyleLst>
+      <a:bgFillStyleLst>
+        <a:solidFill>
+          <a:schemeClr val="phClr"/>
+        </a:solidFill>
+        <a:solidFill>
+          <a:schemeClr val="phClr">
+            <a:tint val="95000"/>
+            <a:satMod val="170000"/>
+          </a:schemeClr>
+        </a:solidFill>
+        <a:gradFill rotWithShape="1">
+          <a:gsLst>
+            <a:gs pos="0">
+              <a:schemeClr val="phClr">
+                <a:tint val="93000"/>
+                <a:satMod val="150000"/>
+                <a:shade val="98000"/>
+                <a:lumMod val="102000"/>
+              </a:schemeClr>
+            </a:gs>
+            <a:gs pos="50000">
+              <a:schemeClr val="phClr">
+                <a:tint val="98000"/>
+                <a:satMod val="130000"/>
+                <a:shade val="90000"/>
+                <a:lumMod val="103000"/>
+              </a:schemeClr>
+            </a:gs>
+            <a:gs pos="100000">
+              <a:schemeClr val="phClr">
+                <a:shade val="63000"/>
+                <a:satMod val="120000"/>
+              </a:schemeClr>
+            </a:gs>
+          </a:gsLst>
+          <a:lin ang="5400000" scaled="0"/>
+        </a:gradFill>
+      </a:bgFillStyleLst>
+    </a:fmtScheme>
+  </a:themeElements>
+  <a:objectDefaults/>
+  <a:extraClrSchemeLst/>
+  <a:extLst>
+    <a:ext uri="{05A4C25C-085E-4340-85A3-A5531E510DB2}">
+      <thm15:themeFamily xmlns:thm15="http://schemas.microsoft.com/office/thememl/2012/main" name="Office Theme" id="{62F939B6-93AF-4DB8-9C6B-D6C7DFDC589F}" vid="{4A3C46E8-61CC-4603-A589-7422A47A8E4A}"/>
+    </a:ext>
+  </a:extLst>
+</a:theme>
 </file>
--- a/Project2_Team3-Intro.pptx
+++ b/Project2_Team3-Intro.pptx
@@ -13943,6 +13943,47 @@
           </a:fontRef>
         </p:style>
       </p:cxnSp>
+      <p:sp>
+        <p:nvSpPr>
+          <p:cNvPr id="5" name="TextBox 4">
+            <a:extLst>
+              <a:ext uri="{FF2B5EF4-FFF2-40B4-BE49-F238E27FC236}">
+                <a16:creationId xmlns:a16="http://schemas.microsoft.com/office/drawing/2014/main" id="{9971EE92-7C92-D846-8B83-55426ACC83A2}"/>
+              </a:ext>
+            </a:extLst>
+          </p:cNvPr>
+          <p:cNvSpPr txBox="1"/>
+          <p:nvPr/>
+        </p:nvSpPr>
+        <p:spPr>
+          <a:xfrm>
+            <a:off x="3429000" y="4957763"/>
+            <a:ext cx="6918882" cy="369332"/>
+          </a:xfrm>
+          <a:prstGeom prst="rect">
+            <a:avLst/>
+          </a:prstGeom>
+          <a:noFill/>
+        </p:spPr>
+        <p:txBody>
+          <a:bodyPr wrap="none" rtlCol="0">
+            <a:spAutoFit/>
+          </a:bodyPr>
+          <a:lstStyle/>
+          <a:p>
+            <a:r>
+              <a:rPr lang="en-US" dirty="0">
+                <a:hlinkClick r:id="rId2"/>
+              </a:rPr>
+              <a:t>file:///Users/amusaadebayo/Project-2_Team-3/Templates/Dashboard.html</a:t>
+            </a:r>
+            <a:r>
+              <a:rPr lang="en-US" dirty="0"/>
+              <a:t> </a:t>
+            </a:r>
+          </a:p>
+        </p:txBody>
+      </p:sp>
     </p:spTree>
     <p:extLst>
       <p:ext uri="{BB962C8B-B14F-4D97-AF65-F5344CB8AC3E}">

--- a/Project2_Team3-Intro.pptx
+++ b/Project2_Team3-Intro.pptx
@@ -2849,6 +2849,9 @@
         <a:lstStyle/>
         <a:p>
           <a:pPr>
+            <a:lnSpc>
+              <a:spcPct val="100000"/>
+            </a:lnSpc>
             <a:defRPr b="1"/>
           </a:pPr>
           <a:r>
@@ -2895,6 +2898,9 @@
         <a:lstStyle/>
         <a:p>
           <a:pPr>
+            <a:lnSpc>
+              <a:spcPct val="100000"/>
+            </a:lnSpc>
             <a:defRPr b="1"/>
           </a:pPr>
           <a:r>
@@ -2934,10 +2940,50 @@
         <a:bodyPr/>
         <a:lstStyle/>
         <a:p>
+          <a:pPr>
+            <a:lnSpc>
+              <a:spcPct val="100000"/>
+            </a:lnSpc>
+          </a:pPr>
           <a:r>
             <a:rPr lang="en-US" dirty="0"/>
-            <a:t>Securing API, </a:t>
+            <a:t>Removing empty/invalid cells</a:t>
           </a:r>
+        </a:p>
+        <a:p>
+          <a:pPr>
+            <a:lnSpc>
+              <a:spcPct val="100000"/>
+            </a:lnSpc>
+          </a:pPr>
+          <a:r>
+            <a:rPr lang="en-US" dirty="0"/>
+            <a:t>Adding location coordinates for each city</a:t>
+          </a:r>
+        </a:p>
+        <a:p>
+          <a:pPr>
+            <a:lnSpc>
+              <a:spcPct val="100000"/>
+            </a:lnSpc>
+          </a:pPr>
+          <a:r>
+            <a:rPr lang="en-US" dirty="0"/>
+            <a:t>Creating dB in </a:t>
+          </a:r>
+          <a:r>
+            <a:rPr lang="en-US" dirty="0" err="1"/>
+            <a:t>postgres</a:t>
+          </a:r>
+          <a:r>
+            <a:rPr lang="en-US" dirty="0"/>
+            <a:t>/</a:t>
+          </a:r>
+          <a:r>
+            <a:rPr lang="en-US" dirty="0" err="1"/>
+            <a:t>pgAdmin</a:t>
+          </a:r>
+          <a:endParaRPr lang="en-US" dirty="0"/>
         </a:p>
       </dgm:t>
     </dgm:pt>
@@ -2963,91 +3009,6 @@
         </a:p>
       </dgm:t>
     </dgm:pt>
-    <dgm:pt modelId="{A5C1CD5A-868D-4D4E-B88E-4E7798BD7B89}">
-      <dgm:prSet/>
-      <dgm:spPr/>
-      <dgm:t>
-        <a:bodyPr/>
-        <a:lstStyle/>
-        <a:p>
-          <a:r>
-            <a:rPr lang="en-US"/>
-            <a:t>Grabbing data &amp; removing empty cells;</a:t>
-          </a:r>
-        </a:p>
-      </dgm:t>
-    </dgm:pt>
-    <dgm:pt modelId="{79C55B70-71C5-42DA-B815-23A8855EB248}" type="parTrans" cxnId="{D9E3333B-29F7-4816-8D25-D9490892E9E4}">
-      <dgm:prSet/>
-      <dgm:spPr/>
-      <dgm:t>
-        <a:bodyPr/>
-        <a:lstStyle/>
-        <a:p>
-          <a:endParaRPr lang="en-US"/>
-        </a:p>
-      </dgm:t>
-    </dgm:pt>
-    <dgm:pt modelId="{43D21BCC-9C15-4B35-9C19-2752407A1595}" type="sibTrans" cxnId="{D9E3333B-29F7-4816-8D25-D9490892E9E4}">
-      <dgm:prSet/>
-      <dgm:spPr/>
-      <dgm:t>
-        <a:bodyPr/>
-        <a:lstStyle/>
-        <a:p>
-          <a:endParaRPr lang="en-US"/>
-        </a:p>
-      </dgm:t>
-    </dgm:pt>
-    <dgm:pt modelId="{790762E4-2954-4CDE-A2BC-1A2AA32D56C1}">
-      <dgm:prSet/>
-      <dgm:spPr/>
-      <dgm:t>
-        <a:bodyPr/>
-        <a:lstStyle/>
-        <a:p>
-          <a:r>
-            <a:rPr lang="en-US" dirty="0"/>
-            <a:t>Creating dB in </a:t>
-          </a:r>
-          <a:r>
-            <a:rPr lang="en-US" dirty="0" err="1"/>
-            <a:t>postgrel</a:t>
-          </a:r>
-          <a:r>
-            <a:rPr lang="en-US" dirty="0"/>
-            <a:t> </a:t>
-          </a:r>
-          <a:r>
-            <a:rPr lang="en-US" dirty="0" err="1"/>
-            <a:t>pgAdmin</a:t>
-          </a:r>
-          <a:endParaRPr lang="en-US" dirty="0"/>
-        </a:p>
-      </dgm:t>
-    </dgm:pt>
-    <dgm:pt modelId="{EBAC98C6-B73E-41A1-B90C-83647AD70EF9}" type="parTrans" cxnId="{09037EB0-695D-41A5-AAAA-65138D9275BD}">
-      <dgm:prSet/>
-      <dgm:spPr/>
-      <dgm:t>
-        <a:bodyPr/>
-        <a:lstStyle/>
-        <a:p>
-          <a:endParaRPr lang="en-US"/>
-        </a:p>
-      </dgm:t>
-    </dgm:pt>
-    <dgm:pt modelId="{FDA7AEB2-CDF6-4F1D-95E1-6AA0E84A8973}" type="sibTrans" cxnId="{09037EB0-695D-41A5-AAAA-65138D9275BD}">
-      <dgm:prSet/>
-      <dgm:spPr/>
-      <dgm:t>
-        <a:bodyPr/>
-        <a:lstStyle/>
-        <a:p>
-          <a:endParaRPr lang="en-US"/>
-        </a:p>
-      </dgm:t>
-    </dgm:pt>
     <dgm:pt modelId="{BAE97406-86FC-431D-8C3D-9B8C91BFCF24}">
       <dgm:prSet/>
       <dgm:spPr/>
@@ -3055,17 +3016,14 @@
         <a:bodyPr/>
         <a:lstStyle/>
         <a:p>
+          <a:pPr>
+            <a:lnSpc>
+              <a:spcPct val="100000"/>
+            </a:lnSpc>
+          </a:pPr>
           <a:r>
             <a:rPr lang="en-US" dirty="0"/>
-            <a:t>Using </a:t>
-          </a:r>
-          <a:r>
-            <a:rPr lang="en-US" dirty="0" err="1"/>
-            <a:t>Flaskapp</a:t>
-          </a:r>
-          <a:r>
-            <a:rPr lang="en-US" dirty="0"/>
-            <a:t> to load data for interactive visualization</a:t>
+            <a:t>Using Flask app to load data for interactive visualization.</a:t>
           </a:r>
         </a:p>
       </dgm:t>
@@ -3217,17 +3175,13 @@
     </dgm:pt>
   </dgm:ptLst>
   <dgm:cxnLst>
-    <dgm:cxn modelId="{D906C50B-52B4-49FF-B9D1-B2BF750D2DA8}" type="presOf" srcId="{BAE97406-86FC-431D-8C3D-9B8C91BFCF24}" destId="{604E8A49-7E41-47D4-9E5F-73A2CF2094F6}" srcOrd="0" destOrd="3" presId="urn:microsoft.com/office/officeart/2018/5/layout/CenteredIconLabelDescriptionList"/>
+    <dgm:cxn modelId="{D906C50B-52B4-49FF-B9D1-B2BF750D2DA8}" type="presOf" srcId="{BAE97406-86FC-431D-8C3D-9B8C91BFCF24}" destId="{604E8A49-7E41-47D4-9E5F-73A2CF2094F6}" srcOrd="0" destOrd="1" presId="urn:microsoft.com/office/officeart/2018/5/layout/CenteredIconLabelDescriptionList"/>
     <dgm:cxn modelId="{7ED55815-6E2C-4152-86E5-D8E08F3A4010}" type="presOf" srcId="{A0ABAD06-ADFD-42C9-BAE3-ACB2EC817AF6}" destId="{20248F36-B80E-4B11-A113-7CCCEAFB0ADE}" srcOrd="0" destOrd="0" presId="urn:microsoft.com/office/officeart/2018/5/layout/CenteredIconLabelDescriptionList"/>
     <dgm:cxn modelId="{A3FC641F-6AF0-488A-8ED2-6C1BF5646D8F}" srcId="{A0ABAD06-ADFD-42C9-BAE3-ACB2EC817AF6}" destId="{42292585-634F-49C4-813E-B548B9D93BE3}" srcOrd="0" destOrd="0" parTransId="{7DCE761B-E24A-4508-858A-A0D588868E93}" sibTransId="{48576A9B-52B9-4D3E-9282-E9A7519EBABA}"/>
     <dgm:cxn modelId="{5D9D4436-2BB0-4CAE-9EE7-B01CAA238503}" type="presOf" srcId="{25A5B38B-7615-4364-A691-3A3219E10880}" destId="{604E8A49-7E41-47D4-9E5F-73A2CF2094F6}" srcOrd="0" destOrd="0" presId="urn:microsoft.com/office/officeart/2018/5/layout/CenteredIconLabelDescriptionList"/>
-    <dgm:cxn modelId="{D9E3333B-29F7-4816-8D25-D9490892E9E4}" srcId="{FE0159E5-7BB2-4B06-85C4-09C7286560BE}" destId="{A5C1CD5A-868D-4D4E-B88E-4E7798BD7B89}" srcOrd="1" destOrd="0" parTransId="{79C55B70-71C5-42DA-B815-23A8855EB248}" sibTransId="{43D21BCC-9C15-4B35-9C19-2752407A1595}"/>
-    <dgm:cxn modelId="{51D3584F-6726-498B-BBB7-493EE4A47442}" type="presOf" srcId="{790762E4-2954-4CDE-A2BC-1A2AA32D56C1}" destId="{604E8A49-7E41-47D4-9E5F-73A2CF2094F6}" srcOrd="0" destOrd="2" presId="urn:microsoft.com/office/officeart/2018/5/layout/CenteredIconLabelDescriptionList"/>
-    <dgm:cxn modelId="{F7FEB653-4463-4312-99F0-C97625AFDCA0}" type="presOf" srcId="{A5C1CD5A-868D-4D4E-B88E-4E7798BD7B89}" destId="{604E8A49-7E41-47D4-9E5F-73A2CF2094F6}" srcOrd="0" destOrd="1" presId="urn:microsoft.com/office/officeart/2018/5/layout/CenteredIconLabelDescriptionList"/>
     <dgm:cxn modelId="{E645025D-6E2F-442E-B999-0B0EE72130D6}" type="presOf" srcId="{42292585-634F-49C4-813E-B548B9D93BE3}" destId="{F2C33902-80A9-4EA4-8D2E-AD445C8E53E3}" srcOrd="0" destOrd="0" presId="urn:microsoft.com/office/officeart/2018/5/layout/CenteredIconLabelDescriptionList"/>
-    <dgm:cxn modelId="{6EA1E08F-29B5-4A7B-83D2-EFF4FA459921}" srcId="{FE0159E5-7BB2-4B06-85C4-09C7286560BE}" destId="{BAE97406-86FC-431D-8C3D-9B8C91BFCF24}" srcOrd="3" destOrd="0" parTransId="{68CA78B9-113E-4958-95F2-F0E9904D95D1}" sibTransId="{815084EA-4E1D-409A-8A66-EC4F67D86DFE}"/>
+    <dgm:cxn modelId="{6EA1E08F-29B5-4A7B-83D2-EFF4FA459921}" srcId="{FE0159E5-7BB2-4B06-85C4-09C7286560BE}" destId="{BAE97406-86FC-431D-8C3D-9B8C91BFCF24}" srcOrd="1" destOrd="0" parTransId="{68CA78B9-113E-4958-95F2-F0E9904D95D1}" sibTransId="{815084EA-4E1D-409A-8A66-EC4F67D86DFE}"/>
     <dgm:cxn modelId="{B5A9D4AB-7160-4107-A391-8CCDBF5BE83F}" srcId="{A0ABAD06-ADFD-42C9-BAE3-ACB2EC817AF6}" destId="{FE0159E5-7BB2-4B06-85C4-09C7286560BE}" srcOrd="1" destOrd="0" parTransId="{0FBDE68C-D3D7-4A2D-A9AA-E429024037A7}" sibTransId="{E8BF0753-51C6-4C4D-988A-8B3BFFA8EA56}"/>
-    <dgm:cxn modelId="{09037EB0-695D-41A5-AAAA-65138D9275BD}" srcId="{FE0159E5-7BB2-4B06-85C4-09C7286560BE}" destId="{790762E4-2954-4CDE-A2BC-1A2AA32D56C1}" srcOrd="2" destOrd="0" parTransId="{EBAC98C6-B73E-41A1-B90C-83647AD70EF9}" sibTransId="{FDA7AEB2-CDF6-4F1D-95E1-6AA0E84A8973}"/>
     <dgm:cxn modelId="{3CDF16CE-613A-40D2-9C3D-C30DFCF6E9F8}" srcId="{FE0159E5-7BB2-4B06-85C4-09C7286560BE}" destId="{25A5B38B-7615-4364-A691-3A3219E10880}" srcOrd="0" destOrd="0" parTransId="{AA403674-ABCB-4BC8-A91E-9BD3A2774B0C}" sibTransId="{4930C7D0-84AF-40E5-904C-1C801B3D9AD2}"/>
     <dgm:cxn modelId="{950C1AF7-6799-4152-B338-91FEB1288961}" type="presOf" srcId="{FE0159E5-7BB2-4B06-85C4-09C7286560BE}" destId="{5247437D-4388-4C15-8B78-F975BCACB36F}" srcOrd="0" destOrd="0" presId="urn:microsoft.com/office/officeart/2018/5/layout/CenteredIconLabelDescriptionList"/>
     <dgm:cxn modelId="{AE159702-DF48-4F98-9B73-83F3951DAAFF}" type="presParOf" srcId="{20248F36-B80E-4B11-A113-7CCCEAFB0ADE}" destId="{98B6886D-314D-4038-9BA1-40475229DEF9}" srcOrd="0" destOrd="0" presId="urn:microsoft.com/office/officeart/2018/5/layout/CenteredIconLabelDescriptionList"/>
@@ -3258,7 +3212,7 @@
 <dgm:dataModel xmlns:dgm="http://schemas.openxmlformats.org/drawingml/2006/diagram" xmlns:a="http://schemas.openxmlformats.org/drawingml/2006/main">
   <dgm:ptLst>
     <dgm:pt modelId="{A6377150-AF2E-4D19-9C54-450A8A4489A7}" type="doc">
-      <dgm:prSet loTypeId="urn:microsoft.com/office/officeart/2005/8/layout/default" loCatId="list" qsTypeId="urn:microsoft.com/office/officeart/2005/8/quickstyle/simple2" qsCatId="simple" csTypeId="urn:microsoft.com/office/officeart/2005/8/colors/colorful1" csCatId="colorful"/>
+      <dgm:prSet loTypeId="urn:microsoft.com/office/officeart/2005/8/layout/default" loCatId="list" qsTypeId="urn:microsoft.com/office/officeart/2005/8/quickstyle/simple2" qsCatId="simple" csTypeId="urn:microsoft.com/office/officeart/2005/8/colors/colorful1" csCatId="colorful" phldr="1"/>
       <dgm:spPr/>
       <dgm:t>
         <a:bodyPr/>
@@ -3348,8 +3302,8 @@
         <a:lstStyle/>
         <a:p>
           <a:r>
-            <a:rPr lang="en-US"/>
-            <a:t>D3/Plotly - heatmap of temperature changes over time</a:t>
+            <a:rPr lang="en-US" dirty="0"/>
+            <a:t>D3/Leaflet – Map with circle overlay of temperatures with filters for year/month.</a:t>
           </a:r>
         </a:p>
       </dgm:t>
@@ -3652,7 +3606,7 @@
       </dsp:nvSpPr>
       <dsp:spPr>
         <a:xfrm>
-          <a:off x="1670048" y="120446"/>
+          <a:off x="1670048" y="1133"/>
           <a:ext cx="1509048" cy="1509048"/>
         </a:xfrm>
         <a:prstGeom prst="rect">
@@ -3701,8 +3655,8 @@
       </dsp:nvSpPr>
       <dsp:spPr>
         <a:xfrm>
-          <a:off x="268789" y="1796307"/>
-          <a:ext cx="4311566" cy="728288"/>
+          <a:off x="268789" y="1687258"/>
+          <a:ext cx="4311566" cy="809208"/>
         </a:xfrm>
         <a:prstGeom prst="rect">
           <a:avLst/>
@@ -3733,7 +3687,7 @@
         <a:p>
           <a:pPr marL="0" lvl="0" indent="0" algn="ctr" defTabSz="800100">
             <a:lnSpc>
-              <a:spcPct val="90000"/>
+              <a:spcPct val="100000"/>
             </a:lnSpc>
             <a:spcBef>
               <a:spcPct val="0"/>
@@ -3758,8 +3712,8 @@
         </a:p>
       </dsp:txBody>
       <dsp:txXfrm>
-        <a:off x="268789" y="1796307"/>
-        <a:ext cx="4311566" cy="728288"/>
+        <a:off x="268789" y="1687258"/>
+        <a:ext cx="4311566" cy="809208"/>
       </dsp:txXfrm>
     </dsp:sp>
     <dsp:sp modelId="{472C08F8-1D3D-4738-9775-4CA91B608AA7}">
@@ -3769,8 +3723,8 @@
       </dsp:nvSpPr>
       <dsp:spPr>
         <a:xfrm>
-          <a:off x="268789" y="2602182"/>
-          <a:ext cx="4311566" cy="1395442"/>
+          <a:off x="268789" y="2578828"/>
+          <a:ext cx="4311566" cy="1538109"/>
         </a:xfrm>
         <a:prstGeom prst="rect">
           <a:avLst/>
@@ -3801,7 +3755,7 @@
       </dsp:nvSpPr>
       <dsp:spPr>
         <a:xfrm>
-          <a:off x="6736139" y="120446"/>
+          <a:off x="6736139" y="1133"/>
           <a:ext cx="1509048" cy="1509048"/>
         </a:xfrm>
         <a:prstGeom prst="rect">
@@ -3850,8 +3804,8 @@
       </dsp:nvSpPr>
       <dsp:spPr>
         <a:xfrm>
-          <a:off x="5334880" y="1796307"/>
-          <a:ext cx="4311566" cy="728288"/>
+          <a:off x="5334880" y="1687258"/>
+          <a:ext cx="4311566" cy="809208"/>
         </a:xfrm>
         <a:prstGeom prst="rect">
           <a:avLst/>
@@ -3882,7 +3836,7 @@
         <a:p>
           <a:pPr marL="0" lvl="0" indent="0" algn="ctr" defTabSz="1022350">
             <a:lnSpc>
-              <a:spcPct val="90000"/>
+              <a:spcPct val="100000"/>
             </a:lnSpc>
             <a:spcBef>
               <a:spcPct val="0"/>
@@ -3901,8 +3855,8 @@
         </a:p>
       </dsp:txBody>
       <dsp:txXfrm>
-        <a:off x="5334880" y="1796307"/>
-        <a:ext cx="4311566" cy="728288"/>
+        <a:off x="5334880" y="1687258"/>
+        <a:ext cx="4311566" cy="809208"/>
       </dsp:txXfrm>
     </dsp:sp>
     <dsp:sp modelId="{604E8A49-7E41-47D4-9E5F-73A2CF2094F6}">
@@ -3912,8 +3866,8 @@
       </dsp:nvSpPr>
       <dsp:spPr>
         <a:xfrm>
-          <a:off x="5334880" y="2602182"/>
-          <a:ext cx="4311566" cy="1395442"/>
+          <a:off x="5334880" y="2578828"/>
+          <a:ext cx="4311566" cy="1538109"/>
         </a:xfrm>
         <a:prstGeom prst="rect">
           <a:avLst/>
@@ -3944,7 +3898,7 @@
         <a:p>
           <a:pPr marL="0" lvl="0" indent="0" algn="ctr" defTabSz="755650">
             <a:lnSpc>
-              <a:spcPct val="90000"/>
+              <a:spcPct val="100000"/>
             </a:lnSpc>
             <a:spcBef>
               <a:spcPct val="0"/>
@@ -3956,13 +3910,13 @@
           </a:pPr>
           <a:r>
             <a:rPr lang="en-US" sz="1700" kern="1200" dirty="0"/>
-            <a:t>Securing API, </a:t>
+            <a:t>Removing empty/invalid cells</a:t>
           </a:r>
         </a:p>
         <a:p>
           <a:pPr marL="0" lvl="0" indent="0" algn="ctr" defTabSz="755650">
             <a:lnSpc>
-              <a:spcPct val="90000"/>
+              <a:spcPct val="100000"/>
             </a:lnSpc>
             <a:spcBef>
               <a:spcPct val="0"/>
@@ -3973,14 +3927,14 @@
             <a:buNone/>
           </a:pPr>
           <a:r>
-            <a:rPr lang="en-US" sz="1700" kern="1200"/>
-            <a:t>Grabbing data &amp; removing empty cells;</a:t>
+            <a:rPr lang="en-US" sz="1700" kern="1200" dirty="0"/>
+            <a:t>Adding location coordinates for each city</a:t>
           </a:r>
         </a:p>
         <a:p>
           <a:pPr marL="0" lvl="0" indent="0" algn="ctr" defTabSz="755650">
             <a:lnSpc>
-              <a:spcPct val="90000"/>
+              <a:spcPct val="100000"/>
             </a:lnSpc>
             <a:spcBef>
               <a:spcPct val="0"/>
@@ -3996,11 +3950,11 @@
           </a:r>
           <a:r>
             <a:rPr lang="en-US" sz="1700" kern="1200" dirty="0" err="1"/>
-            <a:t>postgrel</a:t>
+            <a:t>postgres</a:t>
           </a:r>
           <a:r>
             <a:rPr lang="en-US" sz="1700" kern="1200" dirty="0"/>
-            <a:t> </a:t>
+            <a:t>/</a:t>
           </a:r>
           <a:r>
             <a:rPr lang="en-US" sz="1700" kern="1200" dirty="0" err="1"/>
@@ -4011,7 +3965,7 @@
         <a:p>
           <a:pPr marL="0" lvl="0" indent="0" algn="ctr" defTabSz="755650">
             <a:lnSpc>
-              <a:spcPct val="90000"/>
+              <a:spcPct val="100000"/>
             </a:lnSpc>
             <a:spcBef>
               <a:spcPct val="0"/>
@@ -4023,21 +3977,13 @@
           </a:pPr>
           <a:r>
             <a:rPr lang="en-US" sz="1700" kern="1200" dirty="0"/>
-            <a:t>Using </a:t>
-          </a:r>
-          <a:r>
-            <a:rPr lang="en-US" sz="1700" kern="1200" dirty="0" err="1"/>
-            <a:t>Flaskapp</a:t>
-          </a:r>
-          <a:r>
-            <a:rPr lang="en-US" sz="1700" kern="1200" dirty="0"/>
-            <a:t> to load data for interactive visualization</a:t>
+            <a:t>Using Flask app to load data for interactive visualization.</a:t>
           </a:r>
         </a:p>
       </dsp:txBody>
       <dsp:txXfrm>
-        <a:off x="5334880" y="2602182"/>
-        <a:ext cx="4311566" cy="1395442"/>
+        <a:off x="5334880" y="2578828"/>
+        <a:ext cx="4311566" cy="1538109"/>
       </dsp:txXfrm>
     </dsp:sp>
   </dsp:spTree>
@@ -4273,8 +4219,8 @@
             <a:buNone/>
           </a:pPr>
           <a:r>
-            <a:rPr lang="en-US" sz="2200" kern="1200"/>
-            <a:t>D3/Plotly - heatmap of temperature changes over time</a:t>
+            <a:rPr lang="en-US" sz="2200" kern="1200" dirty="0"/>
+            <a:t>D3/Leaflet – Map with circle overlay of temperatures with filters for year/month.</a:t>
           </a:r>
         </a:p>
       </dsp:txBody>
@@ -8939,7 +8885,7 @@
           <a:p>
             <a:fld id="{EA0C0817-A112-4847-8014-A94B7D2A4EA3}" type="datetime1">
               <a:rPr lang="en-US" smtClean="0"/>
-              <a:t>5/7/21</a:t>
+              <a:t>5/8/21</a:t>
             </a:fld>
             <a:endParaRPr lang="en-US" dirty="0"/>
           </a:p>
@@ -9141,7 +9087,7 @@
           <a:p>
             <a:fld id="{134F40B7-36AB-4376-BE14-EF7004D79BB9}" type="datetime1">
               <a:rPr lang="en-US" smtClean="0"/>
-              <a:t>5/7/21</a:t>
+              <a:t>5/8/21</a:t>
             </a:fld>
             <a:endParaRPr lang="en-US"/>
           </a:p>
@@ -9321,7 +9267,7 @@
           <a:p>
             <a:fld id="{FF87CAB8-DCAE-46A5-AADA-B3FAD11A54E0}" type="datetime1">
               <a:rPr lang="en-US" smtClean="0"/>
-              <a:t>5/7/21</a:t>
+              <a:t>5/8/21</a:t>
             </a:fld>
             <a:endParaRPr lang="en-US"/>
           </a:p>
@@ -9491,7 +9437,7 @@
           <a:p>
             <a:fld id="{7332B432-ACDA-4023-A761-2BAB76577B62}" type="datetime1">
               <a:rPr lang="en-US" smtClean="0"/>
-              <a:t>5/7/21</a:t>
+              <a:t>5/8/21</a:t>
             </a:fld>
             <a:endParaRPr lang="en-US"/>
           </a:p>
@@ -10090,7 +10036,7 @@
           <a:p>
             <a:fld id="{D9C646AA-F36E-4540-911D-FFFC0A0EF24A}" type="datetime1">
               <a:rPr lang="en-US" smtClean="0"/>
-              <a:t>5/7/21</a:t>
+              <a:t>5/8/21</a:t>
             </a:fld>
             <a:endParaRPr lang="en-US" dirty="0"/>
           </a:p>
@@ -10410,7 +10356,7 @@
           <a:p>
             <a:fld id="{69186D26-FA5F-4637-B602-B7C2DC34CFD4}" type="datetime1">
               <a:rPr lang="en-US" smtClean="0"/>
-              <a:t>5/7/21</a:t>
+              <a:t>5/8/21</a:t>
             </a:fld>
             <a:endParaRPr lang="en-US"/>
           </a:p>
@@ -10845,7 +10791,7 @@
           <a:p>
             <a:fld id="{8A7F15D8-96D1-4781-BC50-CA8A088B2FE4}" type="datetime1">
               <a:rPr lang="en-US" smtClean="0"/>
-              <a:t>5/7/21</a:t>
+              <a:t>5/8/21</a:t>
             </a:fld>
             <a:endParaRPr lang="en-US"/>
           </a:p>
@@ -10963,7 +10909,7 @@
           <a:p>
             <a:fld id="{F9A96C99-B8F8-4528-BD05-0E16E943DC09}" type="datetime1">
               <a:rPr lang="en-US" smtClean="0"/>
-              <a:t>5/7/21</a:t>
+              <a:t>5/8/21</a:t>
             </a:fld>
             <a:endParaRPr lang="en-US"/>
           </a:p>
@@ -11058,7 +11004,7 @@
           <a:p>
             <a:fld id="{03636942-C211-4B28-8DBD-C953E00AF71B}" type="datetime1">
               <a:rPr lang="en-US" smtClean="0"/>
-              <a:t>5/7/21</a:t>
+              <a:t>5/8/21</a:t>
             </a:fld>
             <a:endParaRPr lang="en-US"/>
           </a:p>
@@ -11475,7 +11421,7 @@
           <a:p>
             <a:fld id="{7E8D12A6-918A-48BD-8CB9-CA713993B0EA}" type="datetime1">
               <a:rPr lang="en-US" smtClean="0"/>
-              <a:t>5/7/21</a:t>
+              <a:t>5/8/21</a:t>
             </a:fld>
             <a:endParaRPr lang="en-US"/>
           </a:p>
@@ -11737,7 +11683,7 @@
             <a:fld id="{E778CE86-875F-4587-BCF6-FA054AFC0D53}" type="datetime1">
               <a:rPr lang="en-US" smtClean="0"/>
               <a:pPr/>
-              <a:t>5/7/21</a:t>
+              <a:t>5/8/21</a:t>
             </a:fld>
             <a:endParaRPr lang="en-US" dirty="0"/>
           </a:p>
@@ -12253,7 +12199,7 @@
           <a:p>
             <a:fld id="{F6FA2B21-3FCD-4721-B95C-427943F61125}" type="datetime1">
               <a:rPr lang="en-US" smtClean="0"/>
-              <a:t>5/7/21</a:t>
+              <a:t>5/8/21</a:t>
             </a:fld>
             <a:endParaRPr lang="en-US"/>
           </a:p>
@@ -13365,7 +13311,7 @@
             <p:ph idx="1"/>
             <p:extLst>
               <p:ext uri="{D42A27DB-BD31-4B8C-83A1-F6EECF244321}">
-                <p14:modId xmlns:p14="http://schemas.microsoft.com/office/powerpoint/2010/main" val="404680367"/>
+                <p14:modId xmlns:p14="http://schemas.microsoft.com/office/powerpoint/2010/main" val="279040431"/>
               </p:ext>
             </p:extLst>
           </p:nvPr>
@@ -13637,7 +13583,7 @@
             <p:ph idx="1"/>
             <p:extLst>
               <p:ext uri="{D42A27DB-BD31-4B8C-83A1-F6EECF244321}">
-                <p14:modId xmlns:p14="http://schemas.microsoft.com/office/powerpoint/2010/main" val="3578544316"/>
+                <p14:modId xmlns:p14="http://schemas.microsoft.com/office/powerpoint/2010/main" val="376424990"/>
               </p:ext>
             </p:extLst>
           </p:nvPr>
